--- a/Planning/ERD.pptx
+++ b/Planning/ERD.pptx
@@ -3387,6 +3387,12 @@
             <a:r>
               <a:rPr lang="en-US" dirty="0"/>
               <a:t>Post body</a:t>
+            </a:r>
+          </a:p>
+          <a:p>
+            <a:r>
+              <a:rPr lang="en-US" dirty="0"/>
+              <a:t>Reactions</a:t>
             </a:r>
           </a:p>
           <a:p>
